--- a/tutorials/pipelines/tut_a_st_bud/vector files/fig07.pptx
+++ b/tutorials/pipelines/tut_a_st_bud/vector files/fig07.pptx
@@ -197,7 +197,7 @@
           <a:p>
             <a:fld id="{00908931-0033-4484-A0E5-3BAAC1BCE9A0}" type="datetimeFigureOut">
               <a:rPr lang="zh-CN" altLang="en-US" smtClean="0"/>
-              <a:t>2023/10/3</a:t>
+              <a:t>2023/10/4</a:t>
             </a:fld>
             <a:endParaRPr lang="zh-CN" altLang="en-US"/>
           </a:p>
@@ -684,7 +684,7 @@
           <a:p>
             <a:fld id="{CA1BB51F-BFC6-4DD3-8C2A-5B21FD6F69C3}" type="datetimeFigureOut">
               <a:rPr lang="en-SE" smtClean="0"/>
-              <a:t>10/03/2023</a:t>
+              <a:t>10/04/2023</a:t>
             </a:fld>
             <a:endParaRPr lang="en-SE"/>
           </a:p>
@@ -854,7 +854,7 @@
           <a:p>
             <a:fld id="{CA1BB51F-BFC6-4DD3-8C2A-5B21FD6F69C3}" type="datetimeFigureOut">
               <a:rPr lang="en-SE" smtClean="0"/>
-              <a:t>10/03/2023</a:t>
+              <a:t>10/04/2023</a:t>
             </a:fld>
             <a:endParaRPr lang="en-SE"/>
           </a:p>
@@ -1034,7 +1034,7 @@
           <a:p>
             <a:fld id="{CA1BB51F-BFC6-4DD3-8C2A-5B21FD6F69C3}" type="datetimeFigureOut">
               <a:rPr lang="en-SE" smtClean="0"/>
-              <a:t>10/03/2023</a:t>
+              <a:t>10/04/2023</a:t>
             </a:fld>
             <a:endParaRPr lang="en-SE"/>
           </a:p>
@@ -1204,7 +1204,7 @@
           <a:p>
             <a:fld id="{CA1BB51F-BFC6-4DD3-8C2A-5B21FD6F69C3}" type="datetimeFigureOut">
               <a:rPr lang="en-SE" smtClean="0"/>
-              <a:t>10/03/2023</a:t>
+              <a:t>10/04/2023</a:t>
             </a:fld>
             <a:endParaRPr lang="en-SE"/>
           </a:p>
@@ -1450,7 +1450,7 @@
           <a:p>
             <a:fld id="{CA1BB51F-BFC6-4DD3-8C2A-5B21FD6F69C3}" type="datetimeFigureOut">
               <a:rPr lang="en-SE" smtClean="0"/>
-              <a:t>10/03/2023</a:t>
+              <a:t>10/04/2023</a:t>
             </a:fld>
             <a:endParaRPr lang="en-SE"/>
           </a:p>
@@ -1682,7 +1682,7 @@
           <a:p>
             <a:fld id="{CA1BB51F-BFC6-4DD3-8C2A-5B21FD6F69C3}" type="datetimeFigureOut">
               <a:rPr lang="en-SE" smtClean="0"/>
-              <a:t>10/03/2023</a:t>
+              <a:t>10/04/2023</a:t>
             </a:fld>
             <a:endParaRPr lang="en-SE"/>
           </a:p>
@@ -2049,7 +2049,7 @@
           <a:p>
             <a:fld id="{CA1BB51F-BFC6-4DD3-8C2A-5B21FD6F69C3}" type="datetimeFigureOut">
               <a:rPr lang="en-SE" smtClean="0"/>
-              <a:t>10/03/2023</a:t>
+              <a:t>10/04/2023</a:t>
             </a:fld>
             <a:endParaRPr lang="en-SE"/>
           </a:p>
@@ -2167,7 +2167,7 @@
           <a:p>
             <a:fld id="{CA1BB51F-BFC6-4DD3-8C2A-5B21FD6F69C3}" type="datetimeFigureOut">
               <a:rPr lang="en-SE" smtClean="0"/>
-              <a:t>10/03/2023</a:t>
+              <a:t>10/04/2023</a:t>
             </a:fld>
             <a:endParaRPr lang="en-SE"/>
           </a:p>
@@ -2262,7 +2262,7 @@
           <a:p>
             <a:fld id="{CA1BB51F-BFC6-4DD3-8C2A-5B21FD6F69C3}" type="datetimeFigureOut">
               <a:rPr lang="en-SE" smtClean="0"/>
-              <a:t>10/03/2023</a:t>
+              <a:t>10/04/2023</a:t>
             </a:fld>
             <a:endParaRPr lang="en-SE"/>
           </a:p>
@@ -2539,7 +2539,7 @@
           <a:p>
             <a:fld id="{CA1BB51F-BFC6-4DD3-8C2A-5B21FD6F69C3}" type="datetimeFigureOut">
               <a:rPr lang="en-SE" smtClean="0"/>
-              <a:t>10/03/2023</a:t>
+              <a:t>10/04/2023</a:t>
             </a:fld>
             <a:endParaRPr lang="en-SE"/>
           </a:p>
@@ -2796,7 +2796,7 @@
           <a:p>
             <a:fld id="{CA1BB51F-BFC6-4DD3-8C2A-5B21FD6F69C3}" type="datetimeFigureOut">
               <a:rPr lang="en-SE" smtClean="0"/>
-              <a:t>10/03/2023</a:t>
+              <a:t>10/04/2023</a:t>
             </a:fld>
             <a:endParaRPr lang="en-SE"/>
           </a:p>
@@ -3009,7 +3009,7 @@
           <a:p>
             <a:fld id="{CA1BB51F-BFC6-4DD3-8C2A-5B21FD6F69C3}" type="datetimeFigureOut">
               <a:rPr lang="en-SE" smtClean="0"/>
-              <a:t>10/03/2023</a:t>
+              <a:t>10/04/2023</a:t>
             </a:fld>
             <a:endParaRPr lang="en-SE"/>
           </a:p>
@@ -3416,10 +3416,10 @@
       </p:grpSpPr>
       <p:pic>
         <p:nvPicPr>
-          <p:cNvPr id="5" name="图片 4">
+          <p:cNvPr id="4" name="图片 3">
             <a:extLst>
               <a:ext uri="{FF2B5EF4-FFF2-40B4-BE49-F238E27FC236}">
-                <a16:creationId xmlns:a16="http://schemas.microsoft.com/office/drawing/2014/main" id="{475356DF-6661-7907-E3D4-0BE59F00CACE}"/>
+                <a16:creationId xmlns:a16="http://schemas.microsoft.com/office/drawing/2014/main" id="{1B88839C-8BC7-45F1-CCF1-1B46358F9A9C}"/>
               </a:ext>
             </a:extLst>
           </p:cNvPr>
@@ -3436,67 +3436,8 @@
         </p:blipFill>
         <p:spPr>
           <a:xfrm>
-            <a:off x="0" y="0"/>
-            <a:ext cx="3935250" cy="10521761"/>
-          </a:xfrm>
-          <a:prstGeom prst="rect">
-            <a:avLst/>
-          </a:prstGeom>
-        </p:spPr>
-      </p:pic>
-      <p:pic>
-        <p:nvPicPr>
-          <p:cNvPr id="10" name="图片 9">
-            <a:extLst>
-              <a:ext uri="{FF2B5EF4-FFF2-40B4-BE49-F238E27FC236}">
-                <a16:creationId xmlns:a16="http://schemas.microsoft.com/office/drawing/2014/main" id="{46217778-0CAC-7D24-2BC8-5CAED0A2DC0D}"/>
-              </a:ext>
-            </a:extLst>
-          </p:cNvPr>
-          <p:cNvPicPr>
-            <a:picLocks noChangeAspect="1"/>
-          </p:cNvPicPr>
-          <p:nvPr/>
-        </p:nvPicPr>
-        <p:blipFill rotWithShape="1">
-          <a:blip r:embed="rId4"/>
-          <a:srcRect l="355"/>
-          <a:stretch/>
-        </p:blipFill>
-        <p:spPr>
-          <a:xfrm>
-            <a:off x="7825596" y="0"/>
-            <a:ext cx="9964860" cy="10521761"/>
-          </a:xfrm>
-          <a:prstGeom prst="rect">
-            <a:avLst/>
-          </a:prstGeom>
-        </p:spPr>
-      </p:pic>
-      <p:pic>
-        <p:nvPicPr>
-          <p:cNvPr id="12" name="图片 11">
-            <a:extLst>
-              <a:ext uri="{FF2B5EF4-FFF2-40B4-BE49-F238E27FC236}">
-                <a16:creationId xmlns:a16="http://schemas.microsoft.com/office/drawing/2014/main" id="{B564FD51-0F26-C712-BB58-ED8FA69E8CF5}"/>
-              </a:ext>
-            </a:extLst>
-          </p:cNvPr>
-          <p:cNvPicPr>
-            <a:picLocks noChangeAspect="1"/>
-          </p:cNvPicPr>
-          <p:nvPr/>
-        </p:nvPicPr>
-        <p:blipFill>
-          <a:blip r:embed="rId5"/>
-          <a:stretch>
-            <a:fillRect/>
-          </a:stretch>
-        </p:blipFill>
-        <p:spPr>
-          <a:xfrm>
-            <a:off x="3935255" y="0"/>
-            <a:ext cx="3890343" cy="10521761"/>
+            <a:off x="0" y="-4081"/>
+            <a:ext cx="17999722" cy="11164205"/>
           </a:xfrm>
           <a:prstGeom prst="rect">
             <a:avLst/>
@@ -3519,7 +3460,7 @@
         </p:nvSpPr>
         <p:spPr>
           <a:xfrm>
-            <a:off x="8320040" y="1017516"/>
+            <a:off x="8541266" y="1097124"/>
             <a:ext cx="690404" cy="690404"/>
           </a:xfrm>
           <a:prstGeom prst="ellipse">
@@ -3583,7 +3524,7 @@
         </p:nvSpPr>
         <p:spPr>
           <a:xfrm>
-            <a:off x="6853862" y="4054557"/>
+            <a:off x="6883358" y="6576531"/>
             <a:ext cx="690404" cy="690404"/>
           </a:xfrm>
           <a:prstGeom prst="ellipse">
@@ -3645,8 +3586,8 @@
         </p:nvSpPr>
         <p:spPr>
           <a:xfrm>
-            <a:off x="4783858" y="4054561"/>
-            <a:ext cx="2816973" cy="4376329"/>
+            <a:off x="4793226" y="6415164"/>
+            <a:ext cx="3008671" cy="4744960"/>
           </a:xfrm>
           <a:prstGeom prst="rect">
             <a:avLst/>
@@ -3700,7 +3641,7 @@
         </p:nvSpPr>
         <p:spPr>
           <a:xfrm>
-            <a:off x="15321228" y="-4080"/>
+            <a:off x="15666430" y="-4080"/>
             <a:ext cx="690404" cy="690404"/>
           </a:xfrm>
           <a:prstGeom prst="ellipse">
@@ -3762,7 +3703,7 @@
         </p:nvSpPr>
         <p:spPr>
           <a:xfrm>
-            <a:off x="8758156" y="533751"/>
+            <a:off x="8979382" y="613359"/>
             <a:ext cx="377517" cy="377517"/>
           </a:xfrm>
           <a:prstGeom prst="rect">
@@ -3815,8 +3756,8 @@
         </p:nvSpPr>
         <p:spPr>
           <a:xfrm>
-            <a:off x="14086432" y="344461"/>
-            <a:ext cx="1096019" cy="615858"/>
+            <a:off x="14425645" y="341122"/>
+            <a:ext cx="1240785" cy="676394"/>
           </a:xfrm>
           <a:prstGeom prst="rect">
             <a:avLst/>

--- a/tutorials/pipelines/tut_a_st_bud/vector files/fig07.pptx
+++ b/tutorials/pipelines/tut_a_st_bud/vector files/fig07.pptx
@@ -2,7 +2,7 @@
 <file path=ppt/presentation.xml><?xml version="1.0" encoding="utf-8"?>
 <p:presentation xmlns:a="http://schemas.openxmlformats.org/drawingml/2006/main" xmlns:r="http://schemas.openxmlformats.org/officeDocument/2006/relationships" xmlns:p="http://schemas.openxmlformats.org/presentationml/2006/main" saveSubsetFonts="1">
   <p:sldMasterIdLst>
-    <p:sldMasterId id="2147483828" r:id="rId1"/>
+    <p:sldMasterId id="2147483804" r:id="rId1"/>
   </p:sldMasterIdLst>
   <p:notesMasterIdLst>
     <p:notesMasterId r:id="rId3"/>
@@ -10,7 +10,7 @@
   <p:sldIdLst>
     <p:sldId id="257" r:id="rId2"/>
   </p:sldIdLst>
-  <p:sldSz cx="18000663" cy="11160125"/>
+  <p:sldSz cx="12599988" cy="11520488"/>
   <p:notesSz cx="6858000" cy="9144000"/>
   <p:defaultTextStyle>
     <a:defPPr>
@@ -215,8 +215,8 @@
         </p:nvSpPr>
         <p:spPr>
           <a:xfrm>
-            <a:off x="941388" y="1143000"/>
-            <a:ext cx="4975225" cy="3086100"/>
+            <a:off x="1741488" y="1143000"/>
+            <a:ext cx="3375025" cy="3086100"/>
           </a:xfrm>
           <a:prstGeom prst="rect">
             <a:avLst/>
@@ -370,7 +370,7 @@
   </p:cSld>
   <p:clrMap bg1="lt1" tx1="dk1" bg2="lt2" tx2="dk2" accent1="accent1" accent2="accent2" accent3="accent3" accent4="accent4" accent5="accent5" accent6="accent6" hlink="hlink" folHlink="folHlink"/>
   <p:notesStyle>
-    <a:lvl1pPr marL="0" algn="l" defTabSz="1846082" rtl="0" eaLnBrk="1" latinLnBrk="0" hangingPunct="1">
+    <a:lvl1pPr marL="0" algn="l" defTabSz="1845725" rtl="0" eaLnBrk="1" latinLnBrk="0" hangingPunct="1">
       <a:defRPr sz="2423" kern="1200">
         <a:solidFill>
           <a:schemeClr val="tx1"/>
@@ -380,7 +380,7 @@
         <a:cs typeface="+mn-cs"/>
       </a:defRPr>
     </a:lvl1pPr>
-    <a:lvl2pPr marL="923041" algn="l" defTabSz="1846082" rtl="0" eaLnBrk="1" latinLnBrk="0" hangingPunct="1">
+    <a:lvl2pPr marL="922863" algn="l" defTabSz="1845725" rtl="0" eaLnBrk="1" latinLnBrk="0" hangingPunct="1">
       <a:defRPr sz="2423" kern="1200">
         <a:solidFill>
           <a:schemeClr val="tx1"/>
@@ -390,7 +390,7 @@
         <a:cs typeface="+mn-cs"/>
       </a:defRPr>
     </a:lvl2pPr>
-    <a:lvl3pPr marL="1846082" algn="l" defTabSz="1846082" rtl="0" eaLnBrk="1" latinLnBrk="0" hangingPunct="1">
+    <a:lvl3pPr marL="1845725" algn="l" defTabSz="1845725" rtl="0" eaLnBrk="1" latinLnBrk="0" hangingPunct="1">
       <a:defRPr sz="2423" kern="1200">
         <a:solidFill>
           <a:schemeClr val="tx1"/>
@@ -400,7 +400,7 @@
         <a:cs typeface="+mn-cs"/>
       </a:defRPr>
     </a:lvl3pPr>
-    <a:lvl4pPr marL="2769123" algn="l" defTabSz="1846082" rtl="0" eaLnBrk="1" latinLnBrk="0" hangingPunct="1">
+    <a:lvl4pPr marL="2768586" algn="l" defTabSz="1845725" rtl="0" eaLnBrk="1" latinLnBrk="0" hangingPunct="1">
       <a:defRPr sz="2423" kern="1200">
         <a:solidFill>
           <a:schemeClr val="tx1"/>
@@ -410,7 +410,7 @@
         <a:cs typeface="+mn-cs"/>
       </a:defRPr>
     </a:lvl4pPr>
-    <a:lvl5pPr marL="3692164" algn="l" defTabSz="1846082" rtl="0" eaLnBrk="1" latinLnBrk="0" hangingPunct="1">
+    <a:lvl5pPr marL="3691448" algn="l" defTabSz="1845725" rtl="0" eaLnBrk="1" latinLnBrk="0" hangingPunct="1">
       <a:defRPr sz="2423" kern="1200">
         <a:solidFill>
           <a:schemeClr val="tx1"/>
@@ -420,7 +420,7 @@
         <a:cs typeface="+mn-cs"/>
       </a:defRPr>
     </a:lvl5pPr>
-    <a:lvl6pPr marL="4615205" algn="l" defTabSz="1846082" rtl="0" eaLnBrk="1" latinLnBrk="0" hangingPunct="1">
+    <a:lvl6pPr marL="4614309" algn="l" defTabSz="1845725" rtl="0" eaLnBrk="1" latinLnBrk="0" hangingPunct="1">
       <a:defRPr sz="2423" kern="1200">
         <a:solidFill>
           <a:schemeClr val="tx1"/>
@@ -430,7 +430,7 @@
         <a:cs typeface="+mn-cs"/>
       </a:defRPr>
     </a:lvl6pPr>
-    <a:lvl7pPr marL="5538246" algn="l" defTabSz="1846082" rtl="0" eaLnBrk="1" latinLnBrk="0" hangingPunct="1">
+    <a:lvl7pPr marL="5537171" algn="l" defTabSz="1845725" rtl="0" eaLnBrk="1" latinLnBrk="0" hangingPunct="1">
       <a:defRPr sz="2423" kern="1200">
         <a:solidFill>
           <a:schemeClr val="tx1"/>
@@ -440,7 +440,7 @@
         <a:cs typeface="+mn-cs"/>
       </a:defRPr>
     </a:lvl7pPr>
-    <a:lvl8pPr marL="6461288" algn="l" defTabSz="1846082" rtl="0" eaLnBrk="1" latinLnBrk="0" hangingPunct="1">
+    <a:lvl8pPr marL="6460032" algn="l" defTabSz="1845725" rtl="0" eaLnBrk="1" latinLnBrk="0" hangingPunct="1">
       <a:defRPr sz="2423" kern="1200">
         <a:solidFill>
           <a:schemeClr val="tx1"/>
@@ -450,7 +450,7 @@
         <a:cs typeface="+mn-cs"/>
       </a:defRPr>
     </a:lvl8pPr>
-    <a:lvl9pPr marL="7384329" algn="l" defTabSz="1846082" rtl="0" eaLnBrk="1" latinLnBrk="0" hangingPunct="1">
+    <a:lvl9pPr marL="7382894" algn="l" defTabSz="1845725" rtl="0" eaLnBrk="1" latinLnBrk="0" hangingPunct="1">
       <a:defRPr sz="2423" kern="1200">
         <a:solidFill>
           <a:schemeClr val="tx1"/>
@@ -493,8 +493,8 @@
         </p:nvSpPr>
         <p:spPr>
           <a:xfrm>
-            <a:off x="941388" y="1143000"/>
-            <a:ext cx="4975225" cy="3086100"/>
+            <a:off x="1741488" y="1143000"/>
+            <a:ext cx="3375025" cy="3086100"/>
           </a:xfrm>
         </p:spPr>
       </p:sp>
@@ -582,15 +582,15 @@
         </p:nvSpPr>
         <p:spPr>
           <a:xfrm>
-            <a:off x="2250083" y="1826438"/>
-            <a:ext cx="13500497" cy="3885377"/>
+            <a:off x="944999" y="1885414"/>
+            <a:ext cx="10709990" cy="4010837"/>
           </a:xfrm>
         </p:spPr>
         <p:txBody>
           <a:bodyPr anchor="b"/>
           <a:lstStyle>
             <a:lvl1pPr algn="ctr">
-              <a:defRPr sz="8858"/>
+              <a:defRPr sz="8268"/>
             </a:lvl1pPr>
           </a:lstStyle>
           <a:p>
@@ -614,8 +614,8 @@
         </p:nvSpPr>
         <p:spPr>
           <a:xfrm>
-            <a:off x="2250083" y="5861650"/>
-            <a:ext cx="13500497" cy="2694446"/>
+            <a:off x="1574999" y="6050924"/>
+            <a:ext cx="9449991" cy="2781450"/>
           </a:xfrm>
         </p:spPr>
         <p:txBody>
@@ -623,39 +623,39 @@
           <a:lstStyle>
             <a:lvl1pPr marL="0" indent="0" algn="ctr">
               <a:buNone/>
-              <a:defRPr sz="3543"/>
+              <a:defRPr sz="3307"/>
             </a:lvl1pPr>
-            <a:lvl2pPr marL="675010" indent="0" algn="ctr">
-              <a:buNone/>
-              <a:defRPr sz="2953"/>
+            <a:lvl2pPr marL="630022" indent="0" algn="ctr">
+              <a:buNone/>
+              <a:defRPr sz="2756"/>
             </a:lvl2pPr>
-            <a:lvl3pPr marL="1350020" indent="0" algn="ctr">
-              <a:buNone/>
-              <a:defRPr sz="2658"/>
+            <a:lvl3pPr marL="1260043" indent="0" algn="ctr">
+              <a:buNone/>
+              <a:defRPr sz="2480"/>
             </a:lvl3pPr>
-            <a:lvl4pPr marL="2025030" indent="0" algn="ctr">
-              <a:buNone/>
-              <a:defRPr sz="2362"/>
+            <a:lvl4pPr marL="1890065" indent="0" algn="ctr">
+              <a:buNone/>
+              <a:defRPr sz="2205"/>
             </a:lvl4pPr>
-            <a:lvl5pPr marL="2700040" indent="0" algn="ctr">
-              <a:buNone/>
-              <a:defRPr sz="2362"/>
+            <a:lvl5pPr marL="2520086" indent="0" algn="ctr">
+              <a:buNone/>
+              <a:defRPr sz="2205"/>
             </a:lvl5pPr>
-            <a:lvl6pPr marL="3375050" indent="0" algn="ctr">
-              <a:buNone/>
-              <a:defRPr sz="2362"/>
+            <a:lvl6pPr marL="3150108" indent="0" algn="ctr">
+              <a:buNone/>
+              <a:defRPr sz="2205"/>
             </a:lvl6pPr>
-            <a:lvl7pPr marL="4050060" indent="0" algn="ctr">
-              <a:buNone/>
-              <a:defRPr sz="2362"/>
+            <a:lvl7pPr marL="3780130" indent="0" algn="ctr">
+              <a:buNone/>
+              <a:defRPr sz="2205"/>
             </a:lvl7pPr>
-            <a:lvl8pPr marL="4725071" indent="0" algn="ctr">
-              <a:buNone/>
-              <a:defRPr sz="2362"/>
+            <a:lvl8pPr marL="4410151" indent="0" algn="ctr">
+              <a:buNone/>
+              <a:defRPr sz="2205"/>
             </a:lvl8pPr>
-            <a:lvl9pPr marL="5400081" indent="0" algn="ctr">
-              <a:buNone/>
-              <a:defRPr sz="2362"/>
+            <a:lvl9pPr marL="5040173" indent="0" algn="ctr">
+              <a:buNone/>
+              <a:defRPr sz="2205"/>
             </a:lvl9pPr>
           </a:lstStyle>
           <a:p>
@@ -735,7 +735,7 @@
     </p:spTree>
     <p:extLst>
       <p:ext uri="{BB962C8B-B14F-4D97-AF65-F5344CB8AC3E}">
-        <p14:creationId xmlns:p14="http://schemas.microsoft.com/office/powerpoint/2010/main" val="2677407009"/>
+        <p14:creationId xmlns:p14="http://schemas.microsoft.com/office/powerpoint/2010/main" val="669465653"/>
       </p:ext>
     </p:extLst>
   </p:cSld>
@@ -905,7 +905,7 @@
     </p:spTree>
     <p:extLst>
       <p:ext uri="{BB962C8B-B14F-4D97-AF65-F5344CB8AC3E}">
-        <p14:creationId xmlns:p14="http://schemas.microsoft.com/office/powerpoint/2010/main" val="4107365079"/>
+        <p14:creationId xmlns:p14="http://schemas.microsoft.com/office/powerpoint/2010/main" val="342853492"/>
       </p:ext>
     </p:extLst>
   </p:cSld>
@@ -944,8 +944,8 @@
         </p:nvSpPr>
         <p:spPr>
           <a:xfrm>
-            <a:off x="12881724" y="594173"/>
-            <a:ext cx="3881393" cy="9457690"/>
+            <a:off x="9016867" y="613359"/>
+            <a:ext cx="2716872" cy="9763081"/>
           </a:xfrm>
         </p:spPr>
         <p:txBody>
@@ -972,8 +972,8 @@
         </p:nvSpPr>
         <p:spPr>
           <a:xfrm>
-            <a:off x="1237545" y="594173"/>
-            <a:ext cx="11419171" cy="9457690"/>
+            <a:off x="866250" y="613359"/>
+            <a:ext cx="7993117" cy="9763081"/>
           </a:xfrm>
         </p:spPr>
         <p:txBody>
@@ -1085,7 +1085,7 @@
     </p:spTree>
     <p:extLst>
       <p:ext uri="{BB962C8B-B14F-4D97-AF65-F5344CB8AC3E}">
-        <p14:creationId xmlns:p14="http://schemas.microsoft.com/office/powerpoint/2010/main" val="1165845287"/>
+        <p14:creationId xmlns:p14="http://schemas.microsoft.com/office/powerpoint/2010/main" val="200352987"/>
       </p:ext>
     </p:extLst>
   </p:cSld>
@@ -1255,7 +1255,7 @@
     </p:spTree>
     <p:extLst>
       <p:ext uri="{BB962C8B-B14F-4D97-AF65-F5344CB8AC3E}">
-        <p14:creationId xmlns:p14="http://schemas.microsoft.com/office/powerpoint/2010/main" val="809630922"/>
+        <p14:creationId xmlns:p14="http://schemas.microsoft.com/office/powerpoint/2010/main" val="1163124712"/>
       </p:ext>
     </p:extLst>
   </p:cSld>
@@ -1294,15 +1294,15 @@
         </p:nvSpPr>
         <p:spPr>
           <a:xfrm>
-            <a:off x="1228170" y="2782283"/>
-            <a:ext cx="15525572" cy="4642301"/>
+            <a:off x="859687" y="2872125"/>
+            <a:ext cx="10867490" cy="4792202"/>
           </a:xfrm>
         </p:spPr>
         <p:txBody>
           <a:bodyPr anchor="b"/>
           <a:lstStyle>
             <a:lvl1pPr>
-              <a:defRPr sz="8858"/>
+              <a:defRPr sz="8268"/>
             </a:lvl1pPr>
           </a:lstStyle>
           <a:p>
@@ -1326,8 +1326,8 @@
         </p:nvSpPr>
         <p:spPr>
           <a:xfrm>
-            <a:off x="1228170" y="7468502"/>
-            <a:ext cx="15525572" cy="2441277"/>
+            <a:off x="859687" y="7709663"/>
+            <a:ext cx="10867490" cy="2520106"/>
           </a:xfrm>
         </p:spPr>
         <p:txBody>
@@ -1335,17 +1335,15 @@
           <a:lstStyle>
             <a:lvl1pPr marL="0" indent="0">
               <a:buNone/>
-              <a:defRPr sz="3543">
+              <a:defRPr sz="3307">
                 <a:solidFill>
-                  <a:schemeClr val="tx1">
-                    <a:tint val="75000"/>
-                  </a:schemeClr>
+                  <a:schemeClr val="tx1"/>
                 </a:solidFill>
               </a:defRPr>
             </a:lvl1pPr>
-            <a:lvl2pPr marL="675010" indent="0">
-              <a:buNone/>
-              <a:defRPr sz="2953">
+            <a:lvl2pPr marL="630022" indent="0">
+              <a:buNone/>
+              <a:defRPr sz="2756">
                 <a:solidFill>
                   <a:schemeClr val="tx1">
                     <a:tint val="75000"/>
@@ -1353,9 +1351,9 @@
                 </a:solidFill>
               </a:defRPr>
             </a:lvl2pPr>
-            <a:lvl3pPr marL="1350020" indent="0">
-              <a:buNone/>
-              <a:defRPr sz="2658">
+            <a:lvl3pPr marL="1260043" indent="0">
+              <a:buNone/>
+              <a:defRPr sz="2480">
                 <a:solidFill>
                   <a:schemeClr val="tx1">
                     <a:tint val="75000"/>
@@ -1363,9 +1361,9 @@
                 </a:solidFill>
               </a:defRPr>
             </a:lvl3pPr>
-            <a:lvl4pPr marL="2025030" indent="0">
-              <a:buNone/>
-              <a:defRPr sz="2362">
+            <a:lvl4pPr marL="1890065" indent="0">
+              <a:buNone/>
+              <a:defRPr sz="2205">
                 <a:solidFill>
                   <a:schemeClr val="tx1">
                     <a:tint val="75000"/>
@@ -1373,9 +1371,9 @@
                 </a:solidFill>
               </a:defRPr>
             </a:lvl4pPr>
-            <a:lvl5pPr marL="2700040" indent="0">
-              <a:buNone/>
-              <a:defRPr sz="2362">
+            <a:lvl5pPr marL="2520086" indent="0">
+              <a:buNone/>
+              <a:defRPr sz="2205">
                 <a:solidFill>
                   <a:schemeClr val="tx1">
                     <a:tint val="75000"/>
@@ -1383,9 +1381,9 @@
                 </a:solidFill>
               </a:defRPr>
             </a:lvl5pPr>
-            <a:lvl6pPr marL="3375050" indent="0">
-              <a:buNone/>
-              <a:defRPr sz="2362">
+            <a:lvl6pPr marL="3150108" indent="0">
+              <a:buNone/>
+              <a:defRPr sz="2205">
                 <a:solidFill>
                   <a:schemeClr val="tx1">
                     <a:tint val="75000"/>
@@ -1393,9 +1391,9 @@
                 </a:solidFill>
               </a:defRPr>
             </a:lvl6pPr>
-            <a:lvl7pPr marL="4050060" indent="0">
-              <a:buNone/>
-              <a:defRPr sz="2362">
+            <a:lvl7pPr marL="3780130" indent="0">
+              <a:buNone/>
+              <a:defRPr sz="2205">
                 <a:solidFill>
                   <a:schemeClr val="tx1">
                     <a:tint val="75000"/>
@@ -1403,9 +1401,9 @@
                 </a:solidFill>
               </a:defRPr>
             </a:lvl7pPr>
-            <a:lvl8pPr marL="4725071" indent="0">
-              <a:buNone/>
-              <a:defRPr sz="2362">
+            <a:lvl8pPr marL="4410151" indent="0">
+              <a:buNone/>
+              <a:defRPr sz="2205">
                 <a:solidFill>
                   <a:schemeClr val="tx1">
                     <a:tint val="75000"/>
@@ -1413,9 +1411,9 @@
                 </a:solidFill>
               </a:defRPr>
             </a:lvl8pPr>
-            <a:lvl9pPr marL="5400081" indent="0">
-              <a:buNone/>
-              <a:defRPr sz="2362">
+            <a:lvl9pPr marL="5040173" indent="0">
+              <a:buNone/>
+              <a:defRPr sz="2205">
                 <a:solidFill>
                   <a:schemeClr val="tx1">
                     <a:tint val="75000"/>
@@ -1501,7 +1499,7 @@
     </p:spTree>
     <p:extLst>
       <p:ext uri="{BB962C8B-B14F-4D97-AF65-F5344CB8AC3E}">
-        <p14:creationId xmlns:p14="http://schemas.microsoft.com/office/powerpoint/2010/main" val="4289054982"/>
+        <p14:creationId xmlns:p14="http://schemas.microsoft.com/office/powerpoint/2010/main" val="3864325358"/>
       </p:ext>
     </p:extLst>
   </p:cSld>
@@ -1563,8 +1561,8 @@
         </p:nvSpPr>
         <p:spPr>
           <a:xfrm>
-            <a:off x="1237545" y="2970867"/>
-            <a:ext cx="7650282" cy="7080997"/>
+            <a:off x="866249" y="3066796"/>
+            <a:ext cx="5354995" cy="7309644"/>
           </a:xfrm>
         </p:spPr>
         <p:txBody>
@@ -1620,8 +1618,8 @@
         </p:nvSpPr>
         <p:spPr>
           <a:xfrm>
-            <a:off x="9112836" y="2970867"/>
-            <a:ext cx="7650282" cy="7080997"/>
+            <a:off x="6378744" y="3066796"/>
+            <a:ext cx="5354995" cy="7309644"/>
           </a:xfrm>
         </p:spPr>
         <p:txBody>
@@ -1733,7 +1731,7 @@
     </p:spTree>
     <p:extLst>
       <p:ext uri="{BB962C8B-B14F-4D97-AF65-F5344CB8AC3E}">
-        <p14:creationId xmlns:p14="http://schemas.microsoft.com/office/powerpoint/2010/main" val="1635600681"/>
+        <p14:creationId xmlns:p14="http://schemas.microsoft.com/office/powerpoint/2010/main" val="2727939842"/>
       </p:ext>
     </p:extLst>
   </p:cSld>
@@ -1772,8 +1770,8 @@
         </p:nvSpPr>
         <p:spPr>
           <a:xfrm>
-            <a:off x="1239890" y="594174"/>
-            <a:ext cx="15525572" cy="2157108"/>
+            <a:off x="867890" y="613362"/>
+            <a:ext cx="10867490" cy="2226762"/>
           </a:xfrm>
         </p:spPr>
         <p:txBody>
@@ -1800,8 +1798,8 @@
         </p:nvSpPr>
         <p:spPr>
           <a:xfrm>
-            <a:off x="1239891" y="2735782"/>
-            <a:ext cx="7615123" cy="1340764"/>
+            <a:off x="867892" y="2824120"/>
+            <a:ext cx="5330385" cy="1384058"/>
           </a:xfrm>
         </p:spPr>
         <p:txBody>
@@ -1809,39 +1807,39 @@
           <a:lstStyle>
             <a:lvl1pPr marL="0" indent="0">
               <a:buNone/>
-              <a:defRPr sz="3543" b="1"/>
+              <a:defRPr sz="3307" b="1"/>
             </a:lvl1pPr>
-            <a:lvl2pPr marL="675010" indent="0">
-              <a:buNone/>
-              <a:defRPr sz="2953" b="1"/>
+            <a:lvl2pPr marL="630022" indent="0">
+              <a:buNone/>
+              <a:defRPr sz="2756" b="1"/>
             </a:lvl2pPr>
-            <a:lvl3pPr marL="1350020" indent="0">
-              <a:buNone/>
-              <a:defRPr sz="2658" b="1"/>
+            <a:lvl3pPr marL="1260043" indent="0">
+              <a:buNone/>
+              <a:defRPr sz="2480" b="1"/>
             </a:lvl3pPr>
-            <a:lvl4pPr marL="2025030" indent="0">
-              <a:buNone/>
-              <a:defRPr sz="2362" b="1"/>
+            <a:lvl4pPr marL="1890065" indent="0">
+              <a:buNone/>
+              <a:defRPr sz="2205" b="1"/>
             </a:lvl4pPr>
-            <a:lvl5pPr marL="2700040" indent="0">
-              <a:buNone/>
-              <a:defRPr sz="2362" b="1"/>
+            <a:lvl5pPr marL="2520086" indent="0">
+              <a:buNone/>
+              <a:defRPr sz="2205" b="1"/>
             </a:lvl5pPr>
-            <a:lvl6pPr marL="3375050" indent="0">
-              <a:buNone/>
-              <a:defRPr sz="2362" b="1"/>
+            <a:lvl6pPr marL="3150108" indent="0">
+              <a:buNone/>
+              <a:defRPr sz="2205" b="1"/>
             </a:lvl6pPr>
-            <a:lvl7pPr marL="4050060" indent="0">
-              <a:buNone/>
-              <a:defRPr sz="2362" b="1"/>
+            <a:lvl7pPr marL="3780130" indent="0">
+              <a:buNone/>
+              <a:defRPr sz="2205" b="1"/>
             </a:lvl7pPr>
-            <a:lvl8pPr marL="4725071" indent="0">
-              <a:buNone/>
-              <a:defRPr sz="2362" b="1"/>
+            <a:lvl8pPr marL="4410151" indent="0">
+              <a:buNone/>
+              <a:defRPr sz="2205" b="1"/>
             </a:lvl8pPr>
-            <a:lvl9pPr marL="5400081" indent="0">
-              <a:buNone/>
-              <a:defRPr sz="2362" b="1"/>
+            <a:lvl9pPr marL="5040173" indent="0">
+              <a:buNone/>
+              <a:defRPr sz="2205" b="1"/>
             </a:lvl9pPr>
           </a:lstStyle>
           <a:p>
@@ -1865,8 +1863,8 @@
         </p:nvSpPr>
         <p:spPr>
           <a:xfrm>
-            <a:off x="1239891" y="4076545"/>
-            <a:ext cx="7615123" cy="5995985"/>
+            <a:off x="867892" y="4208178"/>
+            <a:ext cx="5330385" cy="6189596"/>
           </a:xfrm>
         </p:spPr>
         <p:txBody>
@@ -1922,8 +1920,8 @@
         </p:nvSpPr>
         <p:spPr>
           <a:xfrm>
-            <a:off x="9112836" y="2735782"/>
-            <a:ext cx="7652626" cy="1340764"/>
+            <a:off x="6378745" y="2824120"/>
+            <a:ext cx="5356636" cy="1384058"/>
           </a:xfrm>
         </p:spPr>
         <p:txBody>
@@ -1931,39 +1929,39 @@
           <a:lstStyle>
             <a:lvl1pPr marL="0" indent="0">
               <a:buNone/>
-              <a:defRPr sz="3543" b="1"/>
+              <a:defRPr sz="3307" b="1"/>
             </a:lvl1pPr>
-            <a:lvl2pPr marL="675010" indent="0">
-              <a:buNone/>
-              <a:defRPr sz="2953" b="1"/>
+            <a:lvl2pPr marL="630022" indent="0">
+              <a:buNone/>
+              <a:defRPr sz="2756" b="1"/>
             </a:lvl2pPr>
-            <a:lvl3pPr marL="1350020" indent="0">
-              <a:buNone/>
-              <a:defRPr sz="2658" b="1"/>
+            <a:lvl3pPr marL="1260043" indent="0">
+              <a:buNone/>
+              <a:defRPr sz="2480" b="1"/>
             </a:lvl3pPr>
-            <a:lvl4pPr marL="2025030" indent="0">
-              <a:buNone/>
-              <a:defRPr sz="2362" b="1"/>
+            <a:lvl4pPr marL="1890065" indent="0">
+              <a:buNone/>
+              <a:defRPr sz="2205" b="1"/>
             </a:lvl4pPr>
-            <a:lvl5pPr marL="2700040" indent="0">
-              <a:buNone/>
-              <a:defRPr sz="2362" b="1"/>
+            <a:lvl5pPr marL="2520086" indent="0">
+              <a:buNone/>
+              <a:defRPr sz="2205" b="1"/>
             </a:lvl5pPr>
-            <a:lvl6pPr marL="3375050" indent="0">
-              <a:buNone/>
-              <a:defRPr sz="2362" b="1"/>
+            <a:lvl6pPr marL="3150108" indent="0">
+              <a:buNone/>
+              <a:defRPr sz="2205" b="1"/>
             </a:lvl6pPr>
-            <a:lvl7pPr marL="4050060" indent="0">
-              <a:buNone/>
-              <a:defRPr sz="2362" b="1"/>
+            <a:lvl7pPr marL="3780130" indent="0">
+              <a:buNone/>
+              <a:defRPr sz="2205" b="1"/>
             </a:lvl7pPr>
-            <a:lvl8pPr marL="4725071" indent="0">
-              <a:buNone/>
-              <a:defRPr sz="2362" b="1"/>
+            <a:lvl8pPr marL="4410151" indent="0">
+              <a:buNone/>
+              <a:defRPr sz="2205" b="1"/>
             </a:lvl8pPr>
-            <a:lvl9pPr marL="5400081" indent="0">
-              <a:buNone/>
-              <a:defRPr sz="2362" b="1"/>
+            <a:lvl9pPr marL="5040173" indent="0">
+              <a:buNone/>
+              <a:defRPr sz="2205" b="1"/>
             </a:lvl9pPr>
           </a:lstStyle>
           <a:p>
@@ -1987,8 +1985,8 @@
         </p:nvSpPr>
         <p:spPr>
           <a:xfrm>
-            <a:off x="9112836" y="4076545"/>
-            <a:ext cx="7652626" cy="5995985"/>
+            <a:off x="6378745" y="4208178"/>
+            <a:ext cx="5356636" cy="6189596"/>
           </a:xfrm>
         </p:spPr>
         <p:txBody>
@@ -2100,7 +2098,7 @@
     </p:spTree>
     <p:extLst>
       <p:ext uri="{BB962C8B-B14F-4D97-AF65-F5344CB8AC3E}">
-        <p14:creationId xmlns:p14="http://schemas.microsoft.com/office/powerpoint/2010/main" val="2963488628"/>
+        <p14:creationId xmlns:p14="http://schemas.microsoft.com/office/powerpoint/2010/main" val="1296800776"/>
       </p:ext>
     </p:extLst>
   </p:cSld>
@@ -2218,7 +2216,7 @@
     </p:spTree>
     <p:extLst>
       <p:ext uri="{BB962C8B-B14F-4D97-AF65-F5344CB8AC3E}">
-        <p14:creationId xmlns:p14="http://schemas.microsoft.com/office/powerpoint/2010/main" val="529578761"/>
+        <p14:creationId xmlns:p14="http://schemas.microsoft.com/office/powerpoint/2010/main" val="3045066619"/>
       </p:ext>
     </p:extLst>
   </p:cSld>
@@ -2313,7 +2311,7 @@
     </p:spTree>
     <p:extLst>
       <p:ext uri="{BB962C8B-B14F-4D97-AF65-F5344CB8AC3E}">
-        <p14:creationId xmlns:p14="http://schemas.microsoft.com/office/powerpoint/2010/main" val="2465706231"/>
+        <p14:creationId xmlns:p14="http://schemas.microsoft.com/office/powerpoint/2010/main" val="1796602714"/>
       </p:ext>
     </p:extLst>
   </p:cSld>
@@ -2352,15 +2350,15 @@
         </p:nvSpPr>
         <p:spPr>
           <a:xfrm>
-            <a:off x="1239891" y="744008"/>
-            <a:ext cx="5805682" cy="2604029"/>
+            <a:off x="867890" y="768032"/>
+            <a:ext cx="4063824" cy="2688114"/>
           </a:xfrm>
         </p:spPr>
         <p:txBody>
           <a:bodyPr anchor="b"/>
           <a:lstStyle>
             <a:lvl1pPr>
-              <a:defRPr sz="4724"/>
+              <a:defRPr sz="4410"/>
             </a:lvl1pPr>
           </a:lstStyle>
           <a:p>
@@ -2384,39 +2382,39 @@
         </p:nvSpPr>
         <p:spPr>
           <a:xfrm>
-            <a:off x="7652626" y="1606852"/>
-            <a:ext cx="9112836" cy="7930922"/>
+            <a:off x="5356636" y="1658740"/>
+            <a:ext cx="6378744" cy="8187013"/>
           </a:xfrm>
         </p:spPr>
         <p:txBody>
           <a:bodyPr/>
           <a:lstStyle>
             <a:lvl1pPr>
-              <a:defRPr sz="4724"/>
+              <a:defRPr sz="4410"/>
             </a:lvl1pPr>
             <a:lvl2pPr>
-              <a:defRPr sz="4134"/>
+              <a:defRPr sz="3858"/>
             </a:lvl2pPr>
             <a:lvl3pPr>
-              <a:defRPr sz="3543"/>
+              <a:defRPr sz="3307"/>
             </a:lvl3pPr>
             <a:lvl4pPr>
-              <a:defRPr sz="2953"/>
+              <a:defRPr sz="2756"/>
             </a:lvl4pPr>
             <a:lvl5pPr>
-              <a:defRPr sz="2953"/>
+              <a:defRPr sz="2756"/>
             </a:lvl5pPr>
             <a:lvl6pPr>
-              <a:defRPr sz="2953"/>
+              <a:defRPr sz="2756"/>
             </a:lvl6pPr>
             <a:lvl7pPr>
-              <a:defRPr sz="2953"/>
+              <a:defRPr sz="2756"/>
             </a:lvl7pPr>
             <a:lvl8pPr>
-              <a:defRPr sz="2953"/>
+              <a:defRPr sz="2756"/>
             </a:lvl8pPr>
             <a:lvl9pPr>
-              <a:defRPr sz="2953"/>
+              <a:defRPr sz="2756"/>
             </a:lvl9pPr>
           </a:lstStyle>
           <a:p>
@@ -2469,8 +2467,8 @@
         </p:nvSpPr>
         <p:spPr>
           <a:xfrm>
-            <a:off x="1239891" y="3348037"/>
-            <a:ext cx="5805682" cy="6202654"/>
+            <a:off x="867890" y="3456146"/>
+            <a:ext cx="4063824" cy="6402939"/>
           </a:xfrm>
         </p:spPr>
         <p:txBody>
@@ -2478,39 +2476,39 @@
           <a:lstStyle>
             <a:lvl1pPr marL="0" indent="0">
               <a:buNone/>
-              <a:defRPr sz="2362"/>
+              <a:defRPr sz="2205"/>
             </a:lvl1pPr>
-            <a:lvl2pPr marL="675010" indent="0">
-              <a:buNone/>
-              <a:defRPr sz="2067"/>
+            <a:lvl2pPr marL="630022" indent="0">
+              <a:buNone/>
+              <a:defRPr sz="1929"/>
             </a:lvl2pPr>
-            <a:lvl3pPr marL="1350020" indent="0">
-              <a:buNone/>
-              <a:defRPr sz="1772"/>
+            <a:lvl3pPr marL="1260043" indent="0">
+              <a:buNone/>
+              <a:defRPr sz="1654"/>
             </a:lvl3pPr>
-            <a:lvl4pPr marL="2025030" indent="0">
-              <a:buNone/>
-              <a:defRPr sz="1476"/>
+            <a:lvl4pPr marL="1890065" indent="0">
+              <a:buNone/>
+              <a:defRPr sz="1378"/>
             </a:lvl4pPr>
-            <a:lvl5pPr marL="2700040" indent="0">
-              <a:buNone/>
-              <a:defRPr sz="1476"/>
+            <a:lvl5pPr marL="2520086" indent="0">
+              <a:buNone/>
+              <a:defRPr sz="1378"/>
             </a:lvl5pPr>
-            <a:lvl6pPr marL="3375050" indent="0">
-              <a:buNone/>
-              <a:defRPr sz="1476"/>
+            <a:lvl6pPr marL="3150108" indent="0">
+              <a:buNone/>
+              <a:defRPr sz="1378"/>
             </a:lvl6pPr>
-            <a:lvl7pPr marL="4050060" indent="0">
-              <a:buNone/>
-              <a:defRPr sz="1476"/>
+            <a:lvl7pPr marL="3780130" indent="0">
+              <a:buNone/>
+              <a:defRPr sz="1378"/>
             </a:lvl7pPr>
-            <a:lvl8pPr marL="4725071" indent="0">
-              <a:buNone/>
-              <a:defRPr sz="1476"/>
+            <a:lvl8pPr marL="4410151" indent="0">
+              <a:buNone/>
+              <a:defRPr sz="1378"/>
             </a:lvl8pPr>
-            <a:lvl9pPr marL="5400081" indent="0">
-              <a:buNone/>
-              <a:defRPr sz="1476"/>
+            <a:lvl9pPr marL="5040173" indent="0">
+              <a:buNone/>
+              <a:defRPr sz="1378"/>
             </a:lvl9pPr>
           </a:lstStyle>
           <a:p>
@@ -2590,7 +2588,7 @@
     </p:spTree>
     <p:extLst>
       <p:ext uri="{BB962C8B-B14F-4D97-AF65-F5344CB8AC3E}">
-        <p14:creationId xmlns:p14="http://schemas.microsoft.com/office/powerpoint/2010/main" val="1200711885"/>
+        <p14:creationId xmlns:p14="http://schemas.microsoft.com/office/powerpoint/2010/main" val="936623140"/>
       </p:ext>
     </p:extLst>
   </p:cSld>
@@ -2629,15 +2627,15 @@
         </p:nvSpPr>
         <p:spPr>
           <a:xfrm>
-            <a:off x="1239891" y="744008"/>
-            <a:ext cx="5805682" cy="2604029"/>
+            <a:off x="867890" y="768032"/>
+            <a:ext cx="4063824" cy="2688114"/>
           </a:xfrm>
         </p:spPr>
         <p:txBody>
           <a:bodyPr anchor="b"/>
           <a:lstStyle>
             <a:lvl1pPr>
-              <a:defRPr sz="4724"/>
+              <a:defRPr sz="4410"/>
             </a:lvl1pPr>
           </a:lstStyle>
           <a:p>
@@ -2661,8 +2659,8 @@
         </p:nvSpPr>
         <p:spPr>
           <a:xfrm>
-            <a:off x="7652626" y="1606852"/>
-            <a:ext cx="9112836" cy="7930922"/>
+            <a:off x="5356636" y="1658740"/>
+            <a:ext cx="6378744" cy="8187013"/>
           </a:xfrm>
         </p:spPr>
         <p:txBody>
@@ -2670,39 +2668,39 @@
           <a:lstStyle>
             <a:lvl1pPr marL="0" indent="0">
               <a:buNone/>
-              <a:defRPr sz="4724"/>
+              <a:defRPr sz="4410"/>
             </a:lvl1pPr>
-            <a:lvl2pPr marL="675010" indent="0">
-              <a:buNone/>
-              <a:defRPr sz="4134"/>
+            <a:lvl2pPr marL="630022" indent="0">
+              <a:buNone/>
+              <a:defRPr sz="3858"/>
             </a:lvl2pPr>
-            <a:lvl3pPr marL="1350020" indent="0">
-              <a:buNone/>
-              <a:defRPr sz="3543"/>
+            <a:lvl3pPr marL="1260043" indent="0">
+              <a:buNone/>
+              <a:defRPr sz="3307"/>
             </a:lvl3pPr>
-            <a:lvl4pPr marL="2025030" indent="0">
-              <a:buNone/>
-              <a:defRPr sz="2953"/>
+            <a:lvl4pPr marL="1890065" indent="0">
+              <a:buNone/>
+              <a:defRPr sz="2756"/>
             </a:lvl4pPr>
-            <a:lvl5pPr marL="2700040" indent="0">
-              <a:buNone/>
-              <a:defRPr sz="2953"/>
+            <a:lvl5pPr marL="2520086" indent="0">
+              <a:buNone/>
+              <a:defRPr sz="2756"/>
             </a:lvl5pPr>
-            <a:lvl6pPr marL="3375050" indent="0">
-              <a:buNone/>
-              <a:defRPr sz="2953"/>
+            <a:lvl6pPr marL="3150108" indent="0">
+              <a:buNone/>
+              <a:defRPr sz="2756"/>
             </a:lvl6pPr>
-            <a:lvl7pPr marL="4050060" indent="0">
-              <a:buNone/>
-              <a:defRPr sz="2953"/>
+            <a:lvl7pPr marL="3780130" indent="0">
+              <a:buNone/>
+              <a:defRPr sz="2756"/>
             </a:lvl7pPr>
-            <a:lvl8pPr marL="4725071" indent="0">
-              <a:buNone/>
-              <a:defRPr sz="2953"/>
+            <a:lvl8pPr marL="4410151" indent="0">
+              <a:buNone/>
+              <a:defRPr sz="2756"/>
             </a:lvl8pPr>
-            <a:lvl9pPr marL="5400081" indent="0">
-              <a:buNone/>
-              <a:defRPr sz="2953"/>
+            <a:lvl9pPr marL="5040173" indent="0">
+              <a:buNone/>
+              <a:defRPr sz="2756"/>
             </a:lvl9pPr>
           </a:lstStyle>
           <a:p>
@@ -2726,8 +2724,8 @@
         </p:nvSpPr>
         <p:spPr>
           <a:xfrm>
-            <a:off x="1239891" y="3348037"/>
-            <a:ext cx="5805682" cy="6202654"/>
+            <a:off x="867890" y="3456146"/>
+            <a:ext cx="4063824" cy="6402939"/>
           </a:xfrm>
         </p:spPr>
         <p:txBody>
@@ -2735,39 +2733,39 @@
           <a:lstStyle>
             <a:lvl1pPr marL="0" indent="0">
               <a:buNone/>
-              <a:defRPr sz="2362"/>
+              <a:defRPr sz="2205"/>
             </a:lvl1pPr>
-            <a:lvl2pPr marL="675010" indent="0">
-              <a:buNone/>
-              <a:defRPr sz="2067"/>
+            <a:lvl2pPr marL="630022" indent="0">
+              <a:buNone/>
+              <a:defRPr sz="1929"/>
             </a:lvl2pPr>
-            <a:lvl3pPr marL="1350020" indent="0">
-              <a:buNone/>
-              <a:defRPr sz="1772"/>
+            <a:lvl3pPr marL="1260043" indent="0">
+              <a:buNone/>
+              <a:defRPr sz="1654"/>
             </a:lvl3pPr>
-            <a:lvl4pPr marL="2025030" indent="0">
-              <a:buNone/>
-              <a:defRPr sz="1476"/>
+            <a:lvl4pPr marL="1890065" indent="0">
+              <a:buNone/>
+              <a:defRPr sz="1378"/>
             </a:lvl4pPr>
-            <a:lvl5pPr marL="2700040" indent="0">
-              <a:buNone/>
-              <a:defRPr sz="1476"/>
+            <a:lvl5pPr marL="2520086" indent="0">
+              <a:buNone/>
+              <a:defRPr sz="1378"/>
             </a:lvl5pPr>
-            <a:lvl6pPr marL="3375050" indent="0">
-              <a:buNone/>
-              <a:defRPr sz="1476"/>
+            <a:lvl6pPr marL="3150108" indent="0">
+              <a:buNone/>
+              <a:defRPr sz="1378"/>
             </a:lvl6pPr>
-            <a:lvl7pPr marL="4050060" indent="0">
-              <a:buNone/>
-              <a:defRPr sz="1476"/>
+            <a:lvl7pPr marL="3780130" indent="0">
+              <a:buNone/>
+              <a:defRPr sz="1378"/>
             </a:lvl7pPr>
-            <a:lvl8pPr marL="4725071" indent="0">
-              <a:buNone/>
-              <a:defRPr sz="1476"/>
+            <a:lvl8pPr marL="4410151" indent="0">
+              <a:buNone/>
+              <a:defRPr sz="1378"/>
             </a:lvl8pPr>
-            <a:lvl9pPr marL="5400081" indent="0">
-              <a:buNone/>
-              <a:defRPr sz="1476"/>
+            <a:lvl9pPr marL="5040173" indent="0">
+              <a:buNone/>
+              <a:defRPr sz="1378"/>
             </a:lvl9pPr>
           </a:lstStyle>
           <a:p>
@@ -2847,7 +2845,7 @@
     </p:spTree>
     <p:extLst>
       <p:ext uri="{BB962C8B-B14F-4D97-AF65-F5344CB8AC3E}">
-        <p14:creationId xmlns:p14="http://schemas.microsoft.com/office/powerpoint/2010/main" val="2922868453"/>
+        <p14:creationId xmlns:p14="http://schemas.microsoft.com/office/powerpoint/2010/main" val="1558201348"/>
       </p:ext>
     </p:extLst>
   </p:cSld>
@@ -2891,8 +2889,8 @@
         </p:nvSpPr>
         <p:spPr>
           <a:xfrm>
-            <a:off x="1237546" y="594174"/>
-            <a:ext cx="15525572" cy="2157108"/>
+            <a:off x="866249" y="613362"/>
+            <a:ext cx="10867490" cy="2226762"/>
           </a:xfrm>
           <a:prstGeom prst="rect">
             <a:avLst/>
@@ -2924,8 +2922,8 @@
         </p:nvSpPr>
         <p:spPr>
           <a:xfrm>
-            <a:off x="1237546" y="2970867"/>
-            <a:ext cx="15525572" cy="7080997"/>
+            <a:off x="866249" y="3066796"/>
+            <a:ext cx="10867490" cy="7309644"/>
           </a:xfrm>
           <a:prstGeom prst="rect">
             <a:avLst/>
@@ -2986,8 +2984,8 @@
         </p:nvSpPr>
         <p:spPr>
           <a:xfrm>
-            <a:off x="1237546" y="10343783"/>
-            <a:ext cx="4050149" cy="594173"/>
+            <a:off x="866249" y="10677788"/>
+            <a:ext cx="2834997" cy="613359"/>
           </a:xfrm>
           <a:prstGeom prst="rect">
             <a:avLst/>
@@ -2997,7 +2995,7 @@
           <a:bodyPr vert="horz" lIns="91440" tIns="45720" rIns="91440" bIns="45720" rtlCol="0" anchor="ctr"/>
           <a:lstStyle>
             <a:lvl1pPr algn="l">
-              <a:defRPr sz="1772">
+              <a:defRPr sz="1654">
                 <a:solidFill>
                   <a:schemeClr val="tx1">
                     <a:tint val="75000"/>
@@ -3027,8 +3025,8 @@
         </p:nvSpPr>
         <p:spPr>
           <a:xfrm>
-            <a:off x="5962720" y="10343783"/>
-            <a:ext cx="6075224" cy="594173"/>
+            <a:off x="4173746" y="10677788"/>
+            <a:ext cx="4252496" cy="613359"/>
           </a:xfrm>
           <a:prstGeom prst="rect">
             <a:avLst/>
@@ -3038,7 +3036,7 @@
           <a:bodyPr vert="horz" lIns="91440" tIns="45720" rIns="91440" bIns="45720" rtlCol="0" anchor="ctr"/>
           <a:lstStyle>
             <a:lvl1pPr algn="ctr">
-              <a:defRPr sz="1772">
+              <a:defRPr sz="1654">
                 <a:solidFill>
                   <a:schemeClr val="tx1">
                     <a:tint val="75000"/>
@@ -3064,8 +3062,8 @@
         </p:nvSpPr>
         <p:spPr>
           <a:xfrm>
-            <a:off x="12712968" y="10343783"/>
-            <a:ext cx="4050149" cy="594173"/>
+            <a:off x="8898742" y="10677788"/>
+            <a:ext cx="2834997" cy="613359"/>
           </a:xfrm>
           <a:prstGeom prst="rect">
             <a:avLst/>
@@ -3075,7 +3073,7 @@
           <a:bodyPr vert="horz" lIns="91440" tIns="45720" rIns="91440" bIns="45720" rtlCol="0" anchor="ctr"/>
           <a:lstStyle>
             <a:lvl1pPr algn="r">
-              <a:defRPr sz="1772">
+              <a:defRPr sz="1654">
                 <a:solidFill>
                   <a:schemeClr val="tx1">
                     <a:tint val="75000"/>
@@ -3096,27 +3094,27 @@
     </p:spTree>
     <p:extLst>
       <p:ext uri="{BB962C8B-B14F-4D97-AF65-F5344CB8AC3E}">
-        <p14:creationId xmlns:p14="http://schemas.microsoft.com/office/powerpoint/2010/main" val="841258584"/>
+        <p14:creationId xmlns:p14="http://schemas.microsoft.com/office/powerpoint/2010/main" val="2981973872"/>
       </p:ext>
     </p:extLst>
   </p:cSld>
   <p:clrMap bg1="lt1" tx1="dk1" bg2="lt2" tx2="dk2" accent1="accent1" accent2="accent2" accent3="accent3" accent4="accent4" accent5="accent5" accent6="accent6" hlink="hlink" folHlink="folHlink"/>
   <p:sldLayoutIdLst>
-    <p:sldLayoutId id="2147483829" r:id="rId1"/>
-    <p:sldLayoutId id="2147483830" r:id="rId2"/>
-    <p:sldLayoutId id="2147483831" r:id="rId3"/>
-    <p:sldLayoutId id="2147483832" r:id="rId4"/>
-    <p:sldLayoutId id="2147483833" r:id="rId5"/>
-    <p:sldLayoutId id="2147483834" r:id="rId6"/>
-    <p:sldLayoutId id="2147483835" r:id="rId7"/>
-    <p:sldLayoutId id="2147483836" r:id="rId8"/>
-    <p:sldLayoutId id="2147483837" r:id="rId9"/>
-    <p:sldLayoutId id="2147483838" r:id="rId10"/>
-    <p:sldLayoutId id="2147483839" r:id="rId11"/>
+    <p:sldLayoutId id="2147483805" r:id="rId1"/>
+    <p:sldLayoutId id="2147483806" r:id="rId2"/>
+    <p:sldLayoutId id="2147483807" r:id="rId3"/>
+    <p:sldLayoutId id="2147483808" r:id="rId4"/>
+    <p:sldLayoutId id="2147483809" r:id="rId5"/>
+    <p:sldLayoutId id="2147483810" r:id="rId6"/>
+    <p:sldLayoutId id="2147483811" r:id="rId7"/>
+    <p:sldLayoutId id="2147483812" r:id="rId8"/>
+    <p:sldLayoutId id="2147483813" r:id="rId9"/>
+    <p:sldLayoutId id="2147483814" r:id="rId10"/>
+    <p:sldLayoutId id="2147483815" r:id="rId11"/>
   </p:sldLayoutIdLst>
   <p:txStyles>
     <p:titleStyle>
-      <a:lvl1pPr algn="l" defTabSz="1350020" rtl="0" eaLnBrk="1" latinLnBrk="0" hangingPunct="1">
+      <a:lvl1pPr algn="l" defTabSz="1260043" rtl="0" eaLnBrk="1" latinLnBrk="0" hangingPunct="1">
         <a:lnSpc>
           <a:spcPct val="90000"/>
         </a:lnSpc>
@@ -3124,7 +3122,7 @@
           <a:spcPct val="0"/>
         </a:spcBef>
         <a:buNone/>
-        <a:defRPr sz="6496" kern="1200">
+        <a:defRPr sz="6063" kern="1200">
           <a:solidFill>
             <a:schemeClr val="tx1"/>
           </a:solidFill>
@@ -3135,16 +3133,16 @@
       </a:lvl1pPr>
     </p:titleStyle>
     <p:bodyStyle>
-      <a:lvl1pPr marL="337505" indent="-337505" algn="l" defTabSz="1350020" rtl="0" eaLnBrk="1" latinLnBrk="0" hangingPunct="1">
+      <a:lvl1pPr marL="315011" indent="-315011" algn="l" defTabSz="1260043" rtl="0" eaLnBrk="1" latinLnBrk="0" hangingPunct="1">
         <a:lnSpc>
           <a:spcPct val="90000"/>
         </a:lnSpc>
         <a:spcBef>
-          <a:spcPts val="1476"/>
+          <a:spcPts val="1378"/>
         </a:spcBef>
         <a:buFont typeface="Arial" panose="020B0604020202020204" pitchFamily="34" charset="0"/>
         <a:buChar char="•"/>
-        <a:defRPr sz="4134" kern="1200">
+        <a:defRPr sz="3858" kern="1200">
           <a:solidFill>
             <a:schemeClr val="tx1"/>
           </a:solidFill>
@@ -3153,16 +3151,16 @@
           <a:cs typeface="+mn-cs"/>
         </a:defRPr>
       </a:lvl1pPr>
-      <a:lvl2pPr marL="1012515" indent="-337505" algn="l" defTabSz="1350020" rtl="0" eaLnBrk="1" latinLnBrk="0" hangingPunct="1">
+      <a:lvl2pPr marL="945032" indent="-315011" algn="l" defTabSz="1260043" rtl="0" eaLnBrk="1" latinLnBrk="0" hangingPunct="1">
         <a:lnSpc>
           <a:spcPct val="90000"/>
         </a:lnSpc>
         <a:spcBef>
-          <a:spcPts val="738"/>
+          <a:spcPts val="689"/>
         </a:spcBef>
         <a:buFont typeface="Arial" panose="020B0604020202020204" pitchFamily="34" charset="0"/>
         <a:buChar char="•"/>
-        <a:defRPr sz="3543" kern="1200">
+        <a:defRPr sz="3307" kern="1200">
           <a:solidFill>
             <a:schemeClr val="tx1"/>
           </a:solidFill>
@@ -3171,16 +3169,16 @@
           <a:cs typeface="+mn-cs"/>
         </a:defRPr>
       </a:lvl2pPr>
-      <a:lvl3pPr marL="1687525" indent="-337505" algn="l" defTabSz="1350020" rtl="0" eaLnBrk="1" latinLnBrk="0" hangingPunct="1">
+      <a:lvl3pPr marL="1575054" indent="-315011" algn="l" defTabSz="1260043" rtl="0" eaLnBrk="1" latinLnBrk="0" hangingPunct="1">
         <a:lnSpc>
           <a:spcPct val="90000"/>
         </a:lnSpc>
         <a:spcBef>
-          <a:spcPts val="738"/>
+          <a:spcPts val="689"/>
         </a:spcBef>
         <a:buFont typeface="Arial" panose="020B0604020202020204" pitchFamily="34" charset="0"/>
         <a:buChar char="•"/>
-        <a:defRPr sz="2953" kern="1200">
+        <a:defRPr sz="2756" kern="1200">
           <a:solidFill>
             <a:schemeClr val="tx1"/>
           </a:solidFill>
@@ -3189,16 +3187,16 @@
           <a:cs typeface="+mn-cs"/>
         </a:defRPr>
       </a:lvl3pPr>
-      <a:lvl4pPr marL="2362535" indent="-337505" algn="l" defTabSz="1350020" rtl="0" eaLnBrk="1" latinLnBrk="0" hangingPunct="1">
+      <a:lvl4pPr marL="2205076" indent="-315011" algn="l" defTabSz="1260043" rtl="0" eaLnBrk="1" latinLnBrk="0" hangingPunct="1">
         <a:lnSpc>
           <a:spcPct val="90000"/>
         </a:lnSpc>
         <a:spcBef>
-          <a:spcPts val="738"/>
+          <a:spcPts val="689"/>
         </a:spcBef>
         <a:buFont typeface="Arial" panose="020B0604020202020204" pitchFamily="34" charset="0"/>
         <a:buChar char="•"/>
-        <a:defRPr sz="2658" kern="1200">
+        <a:defRPr sz="2480" kern="1200">
           <a:solidFill>
             <a:schemeClr val="tx1"/>
           </a:solidFill>
@@ -3207,16 +3205,16 @@
           <a:cs typeface="+mn-cs"/>
         </a:defRPr>
       </a:lvl4pPr>
-      <a:lvl5pPr marL="3037545" indent="-337505" algn="l" defTabSz="1350020" rtl="0" eaLnBrk="1" latinLnBrk="0" hangingPunct="1">
+      <a:lvl5pPr marL="2835097" indent="-315011" algn="l" defTabSz="1260043" rtl="0" eaLnBrk="1" latinLnBrk="0" hangingPunct="1">
         <a:lnSpc>
           <a:spcPct val="90000"/>
         </a:lnSpc>
         <a:spcBef>
-          <a:spcPts val="738"/>
+          <a:spcPts val="689"/>
         </a:spcBef>
         <a:buFont typeface="Arial" panose="020B0604020202020204" pitchFamily="34" charset="0"/>
         <a:buChar char="•"/>
-        <a:defRPr sz="2658" kern="1200">
+        <a:defRPr sz="2480" kern="1200">
           <a:solidFill>
             <a:schemeClr val="tx1"/>
           </a:solidFill>
@@ -3225,16 +3223,16 @@
           <a:cs typeface="+mn-cs"/>
         </a:defRPr>
       </a:lvl5pPr>
-      <a:lvl6pPr marL="3712555" indent="-337505" algn="l" defTabSz="1350020" rtl="0" eaLnBrk="1" latinLnBrk="0" hangingPunct="1">
+      <a:lvl6pPr marL="3465119" indent="-315011" algn="l" defTabSz="1260043" rtl="0" eaLnBrk="1" latinLnBrk="0" hangingPunct="1">
         <a:lnSpc>
           <a:spcPct val="90000"/>
         </a:lnSpc>
         <a:spcBef>
-          <a:spcPts val="738"/>
+          <a:spcPts val="689"/>
         </a:spcBef>
         <a:buFont typeface="Arial" panose="020B0604020202020204" pitchFamily="34" charset="0"/>
         <a:buChar char="•"/>
-        <a:defRPr sz="2658" kern="1200">
+        <a:defRPr sz="2480" kern="1200">
           <a:solidFill>
             <a:schemeClr val="tx1"/>
           </a:solidFill>
@@ -3243,16 +3241,16 @@
           <a:cs typeface="+mn-cs"/>
         </a:defRPr>
       </a:lvl6pPr>
-      <a:lvl7pPr marL="4387566" indent="-337505" algn="l" defTabSz="1350020" rtl="0" eaLnBrk="1" latinLnBrk="0" hangingPunct="1">
+      <a:lvl7pPr marL="4095140" indent="-315011" algn="l" defTabSz="1260043" rtl="0" eaLnBrk="1" latinLnBrk="0" hangingPunct="1">
         <a:lnSpc>
           <a:spcPct val="90000"/>
         </a:lnSpc>
         <a:spcBef>
-          <a:spcPts val="738"/>
+          <a:spcPts val="689"/>
         </a:spcBef>
         <a:buFont typeface="Arial" panose="020B0604020202020204" pitchFamily="34" charset="0"/>
         <a:buChar char="•"/>
-        <a:defRPr sz="2658" kern="1200">
+        <a:defRPr sz="2480" kern="1200">
           <a:solidFill>
             <a:schemeClr val="tx1"/>
           </a:solidFill>
@@ -3261,16 +3259,16 @@
           <a:cs typeface="+mn-cs"/>
         </a:defRPr>
       </a:lvl7pPr>
-      <a:lvl8pPr marL="5062576" indent="-337505" algn="l" defTabSz="1350020" rtl="0" eaLnBrk="1" latinLnBrk="0" hangingPunct="1">
+      <a:lvl8pPr marL="4725162" indent="-315011" algn="l" defTabSz="1260043" rtl="0" eaLnBrk="1" latinLnBrk="0" hangingPunct="1">
         <a:lnSpc>
           <a:spcPct val="90000"/>
         </a:lnSpc>
         <a:spcBef>
-          <a:spcPts val="738"/>
+          <a:spcPts val="689"/>
         </a:spcBef>
         <a:buFont typeface="Arial" panose="020B0604020202020204" pitchFamily="34" charset="0"/>
         <a:buChar char="•"/>
-        <a:defRPr sz="2658" kern="1200">
+        <a:defRPr sz="2480" kern="1200">
           <a:solidFill>
             <a:schemeClr val="tx1"/>
           </a:solidFill>
@@ -3279,16 +3277,16 @@
           <a:cs typeface="+mn-cs"/>
         </a:defRPr>
       </a:lvl8pPr>
-      <a:lvl9pPr marL="5737586" indent="-337505" algn="l" defTabSz="1350020" rtl="0" eaLnBrk="1" latinLnBrk="0" hangingPunct="1">
+      <a:lvl9pPr marL="5355184" indent="-315011" algn="l" defTabSz="1260043" rtl="0" eaLnBrk="1" latinLnBrk="0" hangingPunct="1">
         <a:lnSpc>
           <a:spcPct val="90000"/>
         </a:lnSpc>
         <a:spcBef>
-          <a:spcPts val="738"/>
+          <a:spcPts val="689"/>
         </a:spcBef>
         <a:buFont typeface="Arial" panose="020B0604020202020204" pitchFamily="34" charset="0"/>
         <a:buChar char="•"/>
-        <a:defRPr sz="2658" kern="1200">
+        <a:defRPr sz="2480" kern="1200">
           <a:solidFill>
             <a:schemeClr val="tx1"/>
           </a:solidFill>
@@ -3302,8 +3300,8 @@
       <a:defPPr>
         <a:defRPr lang="en-US"/>
       </a:defPPr>
-      <a:lvl1pPr marL="0" algn="l" defTabSz="1350020" rtl="0" eaLnBrk="1" latinLnBrk="0" hangingPunct="1">
-        <a:defRPr sz="2658" kern="1200">
+      <a:lvl1pPr marL="0" algn="l" defTabSz="1260043" rtl="0" eaLnBrk="1" latinLnBrk="0" hangingPunct="1">
+        <a:defRPr sz="2480" kern="1200">
           <a:solidFill>
             <a:schemeClr val="tx1"/>
           </a:solidFill>
@@ -3312,8 +3310,8 @@
           <a:cs typeface="+mn-cs"/>
         </a:defRPr>
       </a:lvl1pPr>
-      <a:lvl2pPr marL="675010" algn="l" defTabSz="1350020" rtl="0" eaLnBrk="1" latinLnBrk="0" hangingPunct="1">
-        <a:defRPr sz="2658" kern="1200">
+      <a:lvl2pPr marL="630022" algn="l" defTabSz="1260043" rtl="0" eaLnBrk="1" latinLnBrk="0" hangingPunct="1">
+        <a:defRPr sz="2480" kern="1200">
           <a:solidFill>
             <a:schemeClr val="tx1"/>
           </a:solidFill>
@@ -3322,8 +3320,8 @@
           <a:cs typeface="+mn-cs"/>
         </a:defRPr>
       </a:lvl2pPr>
-      <a:lvl3pPr marL="1350020" algn="l" defTabSz="1350020" rtl="0" eaLnBrk="1" latinLnBrk="0" hangingPunct="1">
-        <a:defRPr sz="2658" kern="1200">
+      <a:lvl3pPr marL="1260043" algn="l" defTabSz="1260043" rtl="0" eaLnBrk="1" latinLnBrk="0" hangingPunct="1">
+        <a:defRPr sz="2480" kern="1200">
           <a:solidFill>
             <a:schemeClr val="tx1"/>
           </a:solidFill>
@@ -3332,8 +3330,8 @@
           <a:cs typeface="+mn-cs"/>
         </a:defRPr>
       </a:lvl3pPr>
-      <a:lvl4pPr marL="2025030" algn="l" defTabSz="1350020" rtl="0" eaLnBrk="1" latinLnBrk="0" hangingPunct="1">
-        <a:defRPr sz="2658" kern="1200">
+      <a:lvl4pPr marL="1890065" algn="l" defTabSz="1260043" rtl="0" eaLnBrk="1" latinLnBrk="0" hangingPunct="1">
+        <a:defRPr sz="2480" kern="1200">
           <a:solidFill>
             <a:schemeClr val="tx1"/>
           </a:solidFill>
@@ -3342,8 +3340,8 @@
           <a:cs typeface="+mn-cs"/>
         </a:defRPr>
       </a:lvl4pPr>
-      <a:lvl5pPr marL="2700040" algn="l" defTabSz="1350020" rtl="0" eaLnBrk="1" latinLnBrk="0" hangingPunct="1">
-        <a:defRPr sz="2658" kern="1200">
+      <a:lvl5pPr marL="2520086" algn="l" defTabSz="1260043" rtl="0" eaLnBrk="1" latinLnBrk="0" hangingPunct="1">
+        <a:defRPr sz="2480" kern="1200">
           <a:solidFill>
             <a:schemeClr val="tx1"/>
           </a:solidFill>
@@ -3352,8 +3350,8 @@
           <a:cs typeface="+mn-cs"/>
         </a:defRPr>
       </a:lvl5pPr>
-      <a:lvl6pPr marL="3375050" algn="l" defTabSz="1350020" rtl="0" eaLnBrk="1" latinLnBrk="0" hangingPunct="1">
-        <a:defRPr sz="2658" kern="1200">
+      <a:lvl6pPr marL="3150108" algn="l" defTabSz="1260043" rtl="0" eaLnBrk="1" latinLnBrk="0" hangingPunct="1">
+        <a:defRPr sz="2480" kern="1200">
           <a:solidFill>
             <a:schemeClr val="tx1"/>
           </a:solidFill>
@@ -3362,8 +3360,8 @@
           <a:cs typeface="+mn-cs"/>
         </a:defRPr>
       </a:lvl6pPr>
-      <a:lvl7pPr marL="4050060" algn="l" defTabSz="1350020" rtl="0" eaLnBrk="1" latinLnBrk="0" hangingPunct="1">
-        <a:defRPr sz="2658" kern="1200">
+      <a:lvl7pPr marL="3780130" algn="l" defTabSz="1260043" rtl="0" eaLnBrk="1" latinLnBrk="0" hangingPunct="1">
+        <a:defRPr sz="2480" kern="1200">
           <a:solidFill>
             <a:schemeClr val="tx1"/>
           </a:solidFill>
@@ -3372,8 +3370,8 @@
           <a:cs typeface="+mn-cs"/>
         </a:defRPr>
       </a:lvl7pPr>
-      <a:lvl8pPr marL="4725071" algn="l" defTabSz="1350020" rtl="0" eaLnBrk="1" latinLnBrk="0" hangingPunct="1">
-        <a:defRPr sz="2658" kern="1200">
+      <a:lvl8pPr marL="4410151" algn="l" defTabSz="1260043" rtl="0" eaLnBrk="1" latinLnBrk="0" hangingPunct="1">
+        <a:defRPr sz="2480" kern="1200">
           <a:solidFill>
             <a:schemeClr val="tx1"/>
           </a:solidFill>
@@ -3382,8 +3380,8 @@
           <a:cs typeface="+mn-cs"/>
         </a:defRPr>
       </a:lvl8pPr>
-      <a:lvl9pPr marL="5400081" algn="l" defTabSz="1350020" rtl="0" eaLnBrk="1" latinLnBrk="0" hangingPunct="1">
-        <a:defRPr sz="2658" kern="1200">
+      <a:lvl9pPr marL="5040173" algn="l" defTabSz="1260043" rtl="0" eaLnBrk="1" latinLnBrk="0" hangingPunct="1">
+        <a:defRPr sz="2480" kern="1200">
           <a:solidFill>
             <a:schemeClr val="tx1"/>
           </a:solidFill>
@@ -3416,10 +3414,10 @@
       </p:grpSpPr>
       <p:pic>
         <p:nvPicPr>
-          <p:cNvPr id="4" name="图片 3">
+          <p:cNvPr id="5" name="图片 4">
             <a:extLst>
               <a:ext uri="{FF2B5EF4-FFF2-40B4-BE49-F238E27FC236}">
-                <a16:creationId xmlns:a16="http://schemas.microsoft.com/office/drawing/2014/main" id="{1B88839C-8BC7-45F1-CCF1-1B46358F9A9C}"/>
+                <a16:creationId xmlns:a16="http://schemas.microsoft.com/office/drawing/2014/main" id="{21D06E53-E925-0253-28A7-A150A048D97D}"/>
               </a:ext>
             </a:extLst>
           </p:cNvPr>
@@ -3436,32 +3434,62 @@
         </p:blipFill>
         <p:spPr>
           <a:xfrm>
-            <a:off x="0" y="-4081"/>
-            <a:ext cx="17999722" cy="11164205"/>
+            <a:off x="8161381" y="0"/>
+            <a:ext cx="4088676" cy="11522631"/>
           </a:xfrm>
           <a:prstGeom prst="rect">
             <a:avLst/>
           </a:prstGeom>
         </p:spPr>
       </p:pic>
-      <p:sp>
-        <p:nvSpPr>
-          <p:cNvPr id="13" name="Oval 19">
+      <p:pic>
+        <p:nvPicPr>
+          <p:cNvPr id="3" name="图片 2">
             <a:extLst>
               <a:ext uri="{FF2B5EF4-FFF2-40B4-BE49-F238E27FC236}">
-                <a16:creationId xmlns:a16="http://schemas.microsoft.com/office/drawing/2014/main" id="{A8CEC305-B86A-A06F-6294-F585FA8312BE}"/>
+                <a16:creationId xmlns:a16="http://schemas.microsoft.com/office/drawing/2014/main" id="{76B1FFD7-65CB-7EF1-403E-8D17E9A9E0CC}"/>
               </a:ext>
             </a:extLst>
           </p:cNvPr>
-          <p:cNvSpPr>
-            <a:spLocks noChangeAspect="1"/>
-          </p:cNvSpPr>
+          <p:cNvPicPr>
+            <a:picLocks noChangeAspect="1"/>
+          </p:cNvPicPr>
           <p:nvPr/>
-        </p:nvSpPr>
+        </p:nvPicPr>
+        <p:blipFill>
+          <a:blip r:embed="rId4"/>
+          <a:stretch>
+            <a:fillRect/>
+          </a:stretch>
+        </p:blipFill>
         <p:spPr>
           <a:xfrm>
-            <a:off x="8541266" y="1097124"/>
-            <a:ext cx="690404" cy="690404"/>
+            <a:off x="0" y="1"/>
+            <a:ext cx="8173872" cy="11535295"/>
+          </a:xfrm>
+          <a:prstGeom prst="rect">
+            <a:avLst/>
+          </a:prstGeom>
+        </p:spPr>
+      </p:pic>
+      <p:sp>
+        <p:nvSpPr>
+          <p:cNvPr id="18" name="Oval 19">
+            <a:extLst>
+              <a:ext uri="{FF2B5EF4-FFF2-40B4-BE49-F238E27FC236}">
+                <a16:creationId xmlns:a16="http://schemas.microsoft.com/office/drawing/2014/main" id="{6ADA430A-D79D-68E1-891F-738B9C0A955F}"/>
+              </a:ext>
+            </a:extLst>
+          </p:cNvPr>
+          <p:cNvSpPr>
+            <a:spLocks noChangeAspect="1"/>
+          </p:cNvSpPr>
+          <p:nvPr/>
+        </p:nvSpPr>
+        <p:spPr>
+          <a:xfrm>
+            <a:off x="7366237" y="6798123"/>
+            <a:ext cx="755938" cy="755938"/>
           </a:xfrm>
           <a:prstGeom prst="ellipse">
             <a:avLst/>
@@ -3490,18 +3518,18 @@
           </a:fontRef>
         </p:style>
         <p:txBody>
-          <a:bodyPr tIns="138080" bIns="207121" rtlCol="0" anchor="ctr"/>
+          <a:bodyPr tIns="151187" bIns="226783" rtlCol="0" anchor="ctr"/>
           <a:lstStyle/>
           <a:p>
             <a:pPr algn="ctr"/>
             <a:r>
-              <a:rPr lang="en-GB" sz="3898" dirty="0">
+              <a:rPr lang="en-GB" sz="4000" dirty="0">
                 <a:latin typeface="Arial" panose="020B0604020202020204" pitchFamily="34" charset="0"/>
                 <a:cs typeface="Arial" panose="020B0604020202020204" pitchFamily="34" charset="0"/>
               </a:rPr>
-              <a:t>b</a:t>
-            </a:r>
-            <a:endParaRPr lang="en-SE" sz="3898" dirty="0">
+              <a:t>a</a:t>
+            </a:r>
+            <a:endParaRPr lang="en-SE" sz="4000" dirty="0">
               <a:latin typeface="Arial" panose="020B0604020202020204" pitchFamily="34" charset="0"/>
               <a:cs typeface="Arial" panose="020B0604020202020204" pitchFamily="34" charset="0"/>
             </a:endParaRPr>
@@ -3510,10 +3538,10 @@
       </p:sp>
       <p:sp>
         <p:nvSpPr>
-          <p:cNvPr id="14" name="Oval 19">
+          <p:cNvPr id="11" name="Oval 19">
             <a:extLst>
               <a:ext uri="{FF2B5EF4-FFF2-40B4-BE49-F238E27FC236}">
-                <a16:creationId xmlns:a16="http://schemas.microsoft.com/office/drawing/2014/main" id="{22DBAA2A-7F75-FECA-2563-961FD8ACA4A4}"/>
+                <a16:creationId xmlns:a16="http://schemas.microsoft.com/office/drawing/2014/main" id="{63BBC4AA-380A-83CD-B4ED-9ECC22C635A7}"/>
               </a:ext>
             </a:extLst>
           </p:cNvPr>
@@ -3524,8 +3552,8 @@
         </p:nvSpPr>
         <p:spPr>
           <a:xfrm>
-            <a:off x="6883358" y="6576531"/>
-            <a:ext cx="690404" cy="690404"/>
+            <a:off x="10231376" y="1597226"/>
+            <a:ext cx="755938" cy="755938"/>
           </a:xfrm>
           <a:prstGeom prst="ellipse">
             <a:avLst/>
@@ -3554,18 +3582,18 @@
           </a:fontRef>
         </p:style>
         <p:txBody>
-          <a:bodyPr tIns="138080" bIns="207121" rtlCol="0" anchor="ctr"/>
+          <a:bodyPr tIns="151187" bIns="226783" rtlCol="0" anchor="ctr"/>
           <a:lstStyle/>
           <a:p>
             <a:pPr algn="ctr"/>
             <a:r>
-              <a:rPr lang="en-GB" sz="3898" dirty="0">
+              <a:rPr lang="en-GB" sz="4000" dirty="0">
                 <a:latin typeface="Arial" panose="020B0604020202020204" pitchFamily="34" charset="0"/>
                 <a:cs typeface="Arial" panose="020B0604020202020204" pitchFamily="34" charset="0"/>
               </a:rPr>
-              <a:t>a</a:t>
-            </a:r>
-            <a:endParaRPr lang="en-SE" sz="3898" dirty="0">
+              <a:t>b</a:t>
+            </a:r>
+            <a:endParaRPr lang="en-SE" sz="4000" dirty="0">
               <a:latin typeface="Arial" panose="020B0604020202020204" pitchFamily="34" charset="0"/>
               <a:cs typeface="Arial" panose="020B0604020202020204" pitchFamily="34" charset="0"/>
             </a:endParaRPr>
@@ -3574,10 +3602,10 @@
       </p:sp>
       <p:sp>
         <p:nvSpPr>
-          <p:cNvPr id="15" name="Rectangle 22">
+          <p:cNvPr id="21" name="Rectangle 22">
             <a:extLst>
               <a:ext uri="{FF2B5EF4-FFF2-40B4-BE49-F238E27FC236}">
-                <a16:creationId xmlns:a16="http://schemas.microsoft.com/office/drawing/2014/main" id="{215BD20E-78E7-29EB-B999-8C2CA2550627}"/>
+                <a16:creationId xmlns:a16="http://schemas.microsoft.com/office/drawing/2014/main" id="{A2E33402-E8D2-A768-BFF5-84568F1F3DC5}"/>
               </a:ext>
             </a:extLst>
           </p:cNvPr>
@@ -3586,8 +3614,8 @@
         </p:nvSpPr>
         <p:spPr>
           <a:xfrm>
-            <a:off x="4793226" y="6415164"/>
-            <a:ext cx="3008671" cy="4744960"/>
+            <a:off x="5168800" y="6686661"/>
+            <a:ext cx="2992581" cy="4833826"/>
           </a:xfrm>
           <a:prstGeom prst="rect">
             <a:avLst/>
@@ -3621,80 +3649,16 @@
           <a:lstStyle/>
           <a:p>
             <a:pPr algn="ctr"/>
-            <a:endParaRPr lang="en-SE" sz="6970"/>
-          </a:p>
-        </p:txBody>
-      </p:sp>
-      <p:sp>
-        <p:nvSpPr>
-          <p:cNvPr id="22" name="Oval 19">
+            <a:endParaRPr lang="en-SE" sz="7631"/>
+          </a:p>
+        </p:txBody>
+      </p:sp>
+      <p:sp>
+        <p:nvSpPr>
+          <p:cNvPr id="33" name="Rectangle 22">
             <a:extLst>
               <a:ext uri="{FF2B5EF4-FFF2-40B4-BE49-F238E27FC236}">
-                <a16:creationId xmlns:a16="http://schemas.microsoft.com/office/drawing/2014/main" id="{1EFD5ECE-AC27-CE8B-F178-353309348F1A}"/>
-              </a:ext>
-            </a:extLst>
-          </p:cNvPr>
-          <p:cNvSpPr>
-            <a:spLocks noChangeAspect="1"/>
-          </p:cNvSpPr>
-          <p:nvPr/>
-        </p:nvSpPr>
-        <p:spPr>
-          <a:xfrm>
-            <a:off x="15666430" y="-4080"/>
-            <a:ext cx="690404" cy="690404"/>
-          </a:xfrm>
-          <a:prstGeom prst="ellipse">
-            <a:avLst/>
-          </a:prstGeom>
-          <a:solidFill>
-            <a:srgbClr val="F79647"/>
-          </a:solidFill>
-          <a:ln>
-            <a:noFill/>
-          </a:ln>
-        </p:spPr>
-        <p:style>
-          <a:lnRef idx="2">
-            <a:schemeClr val="accent1">
-              <a:shade val="15000"/>
-            </a:schemeClr>
-          </a:lnRef>
-          <a:fillRef idx="1">
-            <a:schemeClr val="accent1"/>
-          </a:fillRef>
-          <a:effectRef idx="0">
-            <a:schemeClr val="accent1"/>
-          </a:effectRef>
-          <a:fontRef idx="minor">
-            <a:schemeClr val="lt1"/>
-          </a:fontRef>
-        </p:style>
-        <p:txBody>
-          <a:bodyPr tIns="138080" bIns="207121" rtlCol="0" anchor="ctr"/>
-          <a:lstStyle/>
-          <a:p>
-            <a:pPr algn="ctr"/>
-            <a:r>
-              <a:rPr lang="en-GB" sz="3898" dirty="0">
-                <a:latin typeface="Arial" panose="020B0604020202020204" pitchFamily="34" charset="0"/>
-                <a:cs typeface="Arial" panose="020B0604020202020204" pitchFamily="34" charset="0"/>
-              </a:rPr>
-              <a:t>c</a:t>
-            </a:r>
-            <a:endParaRPr lang="en-SE" sz="3898" dirty="0">
-              <a:latin typeface="Arial" panose="020B0604020202020204" pitchFamily="34" charset="0"/>
-              <a:cs typeface="Arial" panose="020B0604020202020204" pitchFamily="34" charset="0"/>
-            </a:endParaRPr>
-          </a:p>
-        </p:txBody>
-      </p:sp>
-      <p:sp>
-        <p:nvSpPr>
-          <p:cNvPr id="25" name="Rectangle 22">
-            <a:extLst>
-              <a:ext uri="{FF2B5EF4-FFF2-40B4-BE49-F238E27FC236}">
-                <a16:creationId xmlns:a16="http://schemas.microsoft.com/office/drawing/2014/main" id="{56E0E544-AC80-669C-8801-12C60E545C3D}"/>
+                <a16:creationId xmlns:a16="http://schemas.microsoft.com/office/drawing/2014/main" id="{7E410378-1067-76E3-59F6-59A9D0F93801}"/>
               </a:ext>
             </a:extLst>
           </p:cNvPr>
@@ -3703,8 +3667,8 @@
         </p:nvSpPr>
         <p:spPr>
           <a:xfrm>
-            <a:off x="8979382" y="613359"/>
-            <a:ext cx="377517" cy="377517"/>
+            <a:off x="8213078" y="2365829"/>
+            <a:ext cx="2774236" cy="2278742"/>
           </a:xfrm>
           <a:prstGeom prst="rect">
             <a:avLst/>
@@ -3738,16 +3702,110 @@
           <a:lstStyle/>
           <a:p>
             <a:pPr algn="ctr"/>
-            <a:endParaRPr lang="en-SE" sz="6970"/>
-          </a:p>
-        </p:txBody>
-      </p:sp>
-      <p:sp>
-        <p:nvSpPr>
-          <p:cNvPr id="2" name="Rectangle 22">
+            <a:endParaRPr lang="en-SE" sz="7631"/>
+          </a:p>
+        </p:txBody>
+      </p:sp>
+      <p:pic>
+        <p:nvPicPr>
+          <p:cNvPr id="7" name="图片 6">
             <a:extLst>
               <a:ext uri="{FF2B5EF4-FFF2-40B4-BE49-F238E27FC236}">
-                <a16:creationId xmlns:a16="http://schemas.microsoft.com/office/drawing/2014/main" id="{066713E1-31B2-88C5-2C6E-BA438697A3DE}"/>
+                <a16:creationId xmlns:a16="http://schemas.microsoft.com/office/drawing/2014/main" id="{9F250442-D0EB-8395-8493-0FF52AB6BFF5}"/>
+              </a:ext>
+            </a:extLst>
+          </p:cNvPr>
+          <p:cNvPicPr>
+            <a:picLocks noChangeAspect="1"/>
+          </p:cNvPicPr>
+          <p:nvPr/>
+        </p:nvPicPr>
+        <p:blipFill>
+          <a:blip r:embed="rId5"/>
+          <a:stretch>
+            <a:fillRect/>
+          </a:stretch>
+        </p:blipFill>
+        <p:spPr>
+          <a:xfrm>
+            <a:off x="8213078" y="7554061"/>
+            <a:ext cx="2971157" cy="3809468"/>
+          </a:xfrm>
+          <a:prstGeom prst="rect">
+            <a:avLst/>
+          </a:prstGeom>
+        </p:spPr>
+      </p:pic>
+      <p:sp>
+        <p:nvSpPr>
+          <p:cNvPr id="2" name="Oval 19">
+            <a:extLst>
+              <a:ext uri="{FF2B5EF4-FFF2-40B4-BE49-F238E27FC236}">
+                <a16:creationId xmlns:a16="http://schemas.microsoft.com/office/drawing/2014/main" id="{37EF5010-0726-AAF4-C587-41135914D95B}"/>
+              </a:ext>
+            </a:extLst>
+          </p:cNvPr>
+          <p:cNvSpPr>
+            <a:spLocks noChangeAspect="1"/>
+          </p:cNvSpPr>
+          <p:nvPr/>
+        </p:nvSpPr>
+        <p:spPr>
+          <a:xfrm>
+            <a:off x="11184235" y="2795773"/>
+            <a:ext cx="755938" cy="755938"/>
+          </a:xfrm>
+          <a:prstGeom prst="ellipse">
+            <a:avLst/>
+          </a:prstGeom>
+          <a:solidFill>
+            <a:srgbClr val="F79647"/>
+          </a:solidFill>
+          <a:ln>
+            <a:noFill/>
+          </a:ln>
+        </p:spPr>
+        <p:style>
+          <a:lnRef idx="2">
+            <a:schemeClr val="accent1">
+              <a:shade val="15000"/>
+            </a:schemeClr>
+          </a:lnRef>
+          <a:fillRef idx="1">
+            <a:schemeClr val="accent1"/>
+          </a:fillRef>
+          <a:effectRef idx="0">
+            <a:schemeClr val="accent1"/>
+          </a:effectRef>
+          <a:fontRef idx="minor">
+            <a:schemeClr val="lt1"/>
+          </a:fontRef>
+        </p:style>
+        <p:txBody>
+          <a:bodyPr tIns="151187" bIns="226783" rtlCol="0" anchor="ctr"/>
+          <a:lstStyle/>
+          <a:p>
+            <a:pPr algn="ctr"/>
+            <a:r>
+              <a:rPr lang="en-GB" sz="4000" dirty="0">
+                <a:latin typeface="Arial" panose="020B0604020202020204" pitchFamily="34" charset="0"/>
+                <a:cs typeface="Arial" panose="020B0604020202020204" pitchFamily="34" charset="0"/>
+              </a:rPr>
+              <a:t>c</a:t>
+            </a:r>
+            <a:endParaRPr lang="en-SE" sz="4000" dirty="0">
+              <a:latin typeface="Arial" panose="020B0604020202020204" pitchFamily="34" charset="0"/>
+              <a:cs typeface="Arial" panose="020B0604020202020204" pitchFamily="34" charset="0"/>
+            </a:endParaRPr>
+          </a:p>
+        </p:txBody>
+      </p:sp>
+      <p:sp>
+        <p:nvSpPr>
+          <p:cNvPr id="4" name="Rectangle 22">
+            <a:extLst>
+              <a:ext uri="{FF2B5EF4-FFF2-40B4-BE49-F238E27FC236}">
+                <a16:creationId xmlns:a16="http://schemas.microsoft.com/office/drawing/2014/main" id="{1F66EBE8-0CA8-99EA-3EA5-8AECB10F1AEB}"/>
               </a:ext>
             </a:extLst>
           </p:cNvPr>
@@ -3756,8 +3814,8 @@
         </p:nvSpPr>
         <p:spPr>
           <a:xfrm>
-            <a:off x="14425645" y="341122"/>
-            <a:ext cx="1240785" cy="676394"/>
+            <a:off x="11364685" y="3710813"/>
+            <a:ext cx="329149" cy="424144"/>
           </a:xfrm>
           <a:prstGeom prst="rect">
             <a:avLst/>
@@ -3791,7 +3849,124 @@
           <a:lstStyle/>
           <a:p>
             <a:pPr algn="ctr"/>
-            <a:endParaRPr lang="en-SE" sz="6970"/>
+            <a:endParaRPr lang="en-SE" sz="7631"/>
+          </a:p>
+        </p:txBody>
+      </p:sp>
+      <p:sp>
+        <p:nvSpPr>
+          <p:cNvPr id="6" name="Oval 19">
+            <a:extLst>
+              <a:ext uri="{FF2B5EF4-FFF2-40B4-BE49-F238E27FC236}">
+                <a16:creationId xmlns:a16="http://schemas.microsoft.com/office/drawing/2014/main" id="{06BE9DCC-EA19-5063-99F2-C274A58B04E4}"/>
+              </a:ext>
+            </a:extLst>
+          </p:cNvPr>
+          <p:cNvSpPr>
+            <a:spLocks noChangeAspect="1"/>
+          </p:cNvSpPr>
+          <p:nvPr/>
+        </p:nvSpPr>
+        <p:spPr>
+          <a:xfrm>
+            <a:off x="11315865" y="7695966"/>
+            <a:ext cx="755938" cy="755938"/>
+          </a:xfrm>
+          <a:prstGeom prst="ellipse">
+            <a:avLst/>
+          </a:prstGeom>
+          <a:solidFill>
+            <a:srgbClr val="F79647"/>
+          </a:solidFill>
+          <a:ln>
+            <a:noFill/>
+          </a:ln>
+        </p:spPr>
+        <p:style>
+          <a:lnRef idx="2">
+            <a:schemeClr val="accent1">
+              <a:shade val="15000"/>
+            </a:schemeClr>
+          </a:lnRef>
+          <a:fillRef idx="1">
+            <a:schemeClr val="accent1"/>
+          </a:fillRef>
+          <a:effectRef idx="0">
+            <a:schemeClr val="accent1"/>
+          </a:effectRef>
+          <a:fontRef idx="minor">
+            <a:schemeClr val="lt1"/>
+          </a:fontRef>
+        </p:style>
+        <p:txBody>
+          <a:bodyPr tIns="151187" bIns="226783" rtlCol="0" anchor="ctr"/>
+          <a:lstStyle/>
+          <a:p>
+            <a:pPr algn="ctr"/>
+            <a:r>
+              <a:rPr lang="en-GB" sz="4000" dirty="0">
+                <a:latin typeface="Arial" panose="020B0604020202020204" pitchFamily="34" charset="0"/>
+                <a:cs typeface="Arial" panose="020B0604020202020204" pitchFamily="34" charset="0"/>
+              </a:rPr>
+              <a:t>d</a:t>
+            </a:r>
+            <a:endParaRPr lang="en-SE" sz="4000" dirty="0">
+              <a:latin typeface="Arial" panose="020B0604020202020204" pitchFamily="34" charset="0"/>
+              <a:cs typeface="Arial" panose="020B0604020202020204" pitchFamily="34" charset="0"/>
+            </a:endParaRPr>
+          </a:p>
+        </p:txBody>
+      </p:sp>
+      <p:sp>
+        <p:nvSpPr>
+          <p:cNvPr id="8" name="Rectangle 22">
+            <a:extLst>
+              <a:ext uri="{FF2B5EF4-FFF2-40B4-BE49-F238E27FC236}">
+                <a16:creationId xmlns:a16="http://schemas.microsoft.com/office/drawing/2014/main" id="{721A951A-36FE-1658-EC34-250A451A4755}"/>
+              </a:ext>
+            </a:extLst>
+          </p:cNvPr>
+          <p:cNvSpPr/>
+          <p:nvPr/>
+        </p:nvSpPr>
+        <p:spPr>
+          <a:xfrm>
+            <a:off x="8213078" y="7554061"/>
+            <a:ext cx="3010363" cy="3863239"/>
+          </a:xfrm>
+          <a:prstGeom prst="rect">
+            <a:avLst/>
+          </a:prstGeom>
+          <a:noFill/>
+          <a:ln w="28575">
+            <a:solidFill>
+              <a:srgbClr val="F79647"/>
+            </a:solidFill>
+            <a:prstDash val="sysDot"/>
+          </a:ln>
+        </p:spPr>
+        <p:style>
+          <a:lnRef idx="2">
+            <a:schemeClr val="accent1">
+              <a:shade val="15000"/>
+            </a:schemeClr>
+          </a:lnRef>
+          <a:fillRef idx="1">
+            <a:schemeClr val="accent1"/>
+          </a:fillRef>
+          <a:effectRef idx="0">
+            <a:schemeClr val="accent1"/>
+          </a:effectRef>
+          <a:fontRef idx="minor">
+            <a:schemeClr val="lt1"/>
+          </a:fontRef>
+        </p:style>
+        <p:txBody>
+          <a:bodyPr rtlCol="0" anchor="ctr"/>
+          <a:lstStyle/>
+          <a:p>
+            <a:pPr algn="ctr"/>
+            <a:endParaRPr lang="en-SE" sz="7631"/>
           </a:p>
         </p:txBody>
       </p:sp>
